--- a/Thread_clone.pptx
+++ b/Thread_clone.pptx
@@ -5,7 +5,7 @@
     <p:sldMasterId id="2147483666" r:id="rId1"/>
   </p:sldMasterIdLst>
   <p:notesMasterIdLst>
-    <p:notesMasterId r:id="rId10"/>
+    <p:notesMasterId r:id="rId11"/>
   </p:notesMasterIdLst>
   <p:sldIdLst>
     <p:sldId id="256" r:id="rId2"/>
@@ -14,58 +14,59 @@
     <p:sldId id="283" r:id="rId5"/>
     <p:sldId id="260" r:id="rId6"/>
     <p:sldId id="284" r:id="rId7"/>
-    <p:sldId id="285" r:id="rId8"/>
-    <p:sldId id="261" r:id="rId9"/>
+    <p:sldId id="286" r:id="rId8"/>
+    <p:sldId id="285" r:id="rId9"/>
+    <p:sldId id="261" r:id="rId10"/>
   </p:sldIdLst>
   <p:sldSz cx="9144000" cy="5143500" type="screen16x9"/>
   <p:notesSz cx="6858000" cy="9144000"/>
   <p:embeddedFontLst>
     <p:embeddedFont>
       <p:font typeface="DM Sans" pitchFamily="2" charset="0"/>
-      <p:regular r:id="rId11"/>
-      <p:bold r:id="rId12"/>
-      <p:italic r:id="rId13"/>
-      <p:boldItalic r:id="rId14"/>
+      <p:regular r:id="rId12"/>
+      <p:bold r:id="rId13"/>
+      <p:italic r:id="rId14"/>
+      <p:boldItalic r:id="rId15"/>
     </p:embeddedFont>
     <p:embeddedFont>
       <p:font typeface="Inter" panose="020B0604020202020204" charset="0"/>
-      <p:regular r:id="rId15"/>
-      <p:bold r:id="rId16"/>
-      <p:italic r:id="rId17"/>
-      <p:boldItalic r:id="rId18"/>
+      <p:regular r:id="rId16"/>
+      <p:bold r:id="rId17"/>
+      <p:italic r:id="rId18"/>
+      <p:boldItalic r:id="rId19"/>
     </p:embeddedFont>
     <p:embeddedFont>
       <p:font typeface="Libre Franklin Black" pitchFamily="2" charset="0"/>
-      <p:bold r:id="rId19"/>
-      <p:boldItalic r:id="rId20"/>
+      <p:bold r:id="rId20"/>
+      <p:boldItalic r:id="rId21"/>
     </p:embeddedFont>
     <p:embeddedFont>
       <p:font typeface="Montserrat" panose="00000500000000000000" pitchFamily="2" charset="0"/>
-      <p:regular r:id="rId21"/>
-      <p:bold r:id="rId22"/>
-      <p:italic r:id="rId23"/>
-      <p:boldItalic r:id="rId24"/>
+      <p:regular r:id="rId22"/>
+      <p:bold r:id="rId23"/>
+      <p:italic r:id="rId24"/>
+      <p:boldItalic r:id="rId25"/>
     </p:embeddedFont>
     <p:embeddedFont>
       <p:font typeface="Patua One" panose="020B0604020202020204" charset="0"/>
-      <p:regular r:id="rId25"/>
+      <p:regular r:id="rId26"/>
     </p:embeddedFont>
     <p:embeddedFont>
       <p:font typeface="Roboto" panose="02000000000000000000" pitchFamily="2" charset="0"/>
-      <p:regular r:id="rId26"/>
-      <p:bold r:id="rId27"/>
-      <p:italic r:id="rId28"/>
-      <p:boldItalic r:id="rId29"/>
+      <p:regular r:id="rId27"/>
+      <p:bold r:id="rId28"/>
+      <p:italic r:id="rId29"/>
+      <p:boldItalic r:id="rId30"/>
     </p:embeddedFont>
     <p:embeddedFont>
       <p:font typeface="Segoe UI Black" panose="020B0A02040204020203" pitchFamily="34" charset="0"/>
-      <p:bold r:id="rId30"/>
-      <p:boldItalic r:id="rId31"/>
+      <p:bold r:id="rId31"/>
+      <p:boldItalic r:id="rId32"/>
     </p:embeddedFont>
     <p:embeddedFont>
       <p:font typeface="Segoe UI Semibold" panose="020B0702040204020203" pitchFamily="34" charset="0"/>
-      <p:bold r:id="rId32"/>
-      <p:boldItalic r:id="rId33"/>
+      <p:bold r:id="rId33"/>
+      <p:boldItalic r:id="rId34"/>
     </p:embeddedFont>
   </p:embeddedFontLst>
   <p:defaultTextStyle>
@@ -297,6 +298,11 @@
       </a:defRPr>
     </a:lvl9pPr>
   </p:defaultTextStyle>
+  <p:extLst>
+    <p:ext uri="{EFAFB233-063F-42B5-8137-9DF3F51BA10A}">
+      <p15:sldGuideLst xmlns:p15="http://schemas.microsoft.com/office/powerpoint/2012/main"/>
+    </p:ext>
+  </p:extLst>
 </p:presentation>
 </file>
 
@@ -1416,6 +1422,133 @@
   <p:cSld>
     <p:spTree>
       <p:nvGrpSpPr>
+        <p:cNvPr id="1" name="Shape 257">
+          <a:extLst>
+            <a:ext uri="{FF2B5EF4-FFF2-40B4-BE49-F238E27FC236}">
+              <a16:creationId xmlns:a16="http://schemas.microsoft.com/office/drawing/2014/main" id="{6CA2AE25-0377-FBD8-A72F-07B360945768}"/>
+            </a:ext>
+          </a:extLst>
+        </p:cNvPr>
+        <p:cNvGrpSpPr/>
+        <p:nvPr/>
+      </p:nvGrpSpPr>
+      <p:grpSpPr>
+        <a:xfrm>
+          <a:off x="0" y="0"/>
+          <a:ext cx="0" cy="0"/>
+          <a:chOff x="0" y="0"/>
+          <a:chExt cx="0" cy="0"/>
+        </a:xfrm>
+      </p:grpSpPr>
+      <p:sp>
+        <p:nvSpPr>
+          <p:cNvPr id="258" name="Google Shape;258;g2999ed19337_0_19:notes">
+            <a:extLst>
+              <a:ext uri="{FF2B5EF4-FFF2-40B4-BE49-F238E27FC236}">
+                <a16:creationId xmlns:a16="http://schemas.microsoft.com/office/drawing/2014/main" id="{A71FFDC5-7BCC-E6BB-7422-9ABED33E7588}"/>
+              </a:ext>
+            </a:extLst>
+          </p:cNvPr>
+          <p:cNvSpPr>
+            <a:spLocks noGrp="1" noRot="1" noChangeAspect="1"/>
+          </p:cNvSpPr>
+          <p:nvPr>
+            <p:ph type="sldImg" idx="2"/>
+          </p:nvPr>
+        </p:nvSpPr>
+        <p:spPr>
+          <a:xfrm>
+            <a:off x="381000" y="685800"/>
+            <a:ext cx="6096000" cy="3429000"/>
+          </a:xfrm>
+          <a:custGeom>
+            <a:avLst/>
+            <a:gdLst/>
+            <a:ahLst/>
+            <a:cxnLst/>
+            <a:rect l="l" t="t" r="r" b="b"/>
+            <a:pathLst>
+              <a:path w="120000" h="120000" extrusionOk="0">
+                <a:moveTo>
+                  <a:pt x="0" y="0"/>
+                </a:moveTo>
+                <a:lnTo>
+                  <a:pt x="120000" y="0"/>
+                </a:lnTo>
+                <a:lnTo>
+                  <a:pt x="120000" y="120000"/>
+                </a:lnTo>
+                <a:lnTo>
+                  <a:pt x="0" y="120000"/>
+                </a:lnTo>
+                <a:close/>
+              </a:path>
+            </a:pathLst>
+          </a:custGeom>
+        </p:spPr>
+      </p:sp>
+      <p:sp>
+        <p:nvSpPr>
+          <p:cNvPr id="259" name="Google Shape;259;g2999ed19337_0_19:notes">
+            <a:extLst>
+              <a:ext uri="{FF2B5EF4-FFF2-40B4-BE49-F238E27FC236}">
+                <a16:creationId xmlns:a16="http://schemas.microsoft.com/office/drawing/2014/main" id="{5B4E58FF-BC5C-5EC0-92B3-53ED86A05C5D}"/>
+              </a:ext>
+            </a:extLst>
+          </p:cNvPr>
+          <p:cNvSpPr txBox="1">
+            <a:spLocks noGrp="1"/>
+          </p:cNvSpPr>
+          <p:nvPr>
+            <p:ph type="body" idx="1"/>
+          </p:nvPr>
+        </p:nvSpPr>
+        <p:spPr>
+          <a:xfrm>
+            <a:off x="685800" y="4343400"/>
+            <a:ext cx="5486400" cy="4114800"/>
+          </a:xfrm>
+          <a:prstGeom prst="rect">
+            <a:avLst/>
+          </a:prstGeom>
+        </p:spPr>
+        <p:txBody>
+          <a:bodyPr spcFirstLastPara="1" wrap="square" lIns="91425" tIns="91425" rIns="91425" bIns="91425" anchor="t" anchorCtr="0">
+            <a:noAutofit/>
+          </a:bodyPr>
+          <a:lstStyle/>
+          <a:p>
+            <a:pPr marL="0" lvl="0" indent="0" algn="l" rtl="0">
+              <a:spcBef>
+                <a:spcPts val="0"/>
+              </a:spcBef>
+              <a:spcAft>
+                <a:spcPts val="0"/>
+              </a:spcAft>
+              <a:buNone/>
+            </a:pPr>
+            <a:endParaRPr/>
+          </a:p>
+        </p:txBody>
+      </p:sp>
+    </p:spTree>
+    <p:extLst>
+      <p:ext uri="{BB962C8B-B14F-4D97-AF65-F5344CB8AC3E}">
+        <p14:creationId xmlns:p14="http://schemas.microsoft.com/office/powerpoint/2010/main" val="3834611999"/>
+      </p:ext>
+    </p:extLst>
+  </p:cSld>
+  <p:clrMapOvr>
+    <a:masterClrMapping/>
+  </p:clrMapOvr>
+</p:notes>
+</file>
+
+<file path=ppt/notesSlides/notesSlide8.xml><?xml version="1.0" encoding="utf-8"?>
+<p:notes xmlns:a="http://schemas.openxmlformats.org/drawingml/2006/main" xmlns:r="http://schemas.openxmlformats.org/officeDocument/2006/relationships" xmlns:p="http://schemas.openxmlformats.org/presentationml/2006/main" showMasterSp="0" showMasterPhAnim="0">
+  <p:cSld>
+    <p:spTree>
+      <p:nvGrpSpPr>
         <p:cNvPr id="1" name="Shape 233">
           <a:extLst>
             <a:ext uri="{FF2B5EF4-FFF2-40B4-BE49-F238E27FC236}">
@@ -1538,7 +1671,7 @@
 </p:notes>
 </file>
 
-<file path=ppt/notesSlides/notesSlide8.xml><?xml version="1.0" encoding="utf-8"?>
+<file path=ppt/notesSlides/notesSlide9.xml><?xml version="1.0" encoding="utf-8"?>
 <p:notes xmlns:a="http://schemas.openxmlformats.org/drawingml/2006/main" xmlns:r="http://schemas.openxmlformats.org/officeDocument/2006/relationships" xmlns:p="http://schemas.openxmlformats.org/presentationml/2006/main" showMasterSp="0" showMasterPhAnim="0">
   <p:cSld>
     <p:spTree>
@@ -18646,6 +18779,72 @@
   <p:cSld>
     <p:spTree>
       <p:nvGrpSpPr>
+        <p:cNvPr id="1" name="Shape 260">
+          <a:extLst>
+            <a:ext uri="{FF2B5EF4-FFF2-40B4-BE49-F238E27FC236}">
+              <a16:creationId xmlns:a16="http://schemas.microsoft.com/office/drawing/2014/main" id="{C3A85242-A28B-4254-7D16-E1826588C1F6}"/>
+            </a:ext>
+          </a:extLst>
+        </p:cNvPr>
+        <p:cNvGrpSpPr/>
+        <p:nvPr/>
+      </p:nvGrpSpPr>
+      <p:grpSpPr>
+        <a:xfrm>
+          <a:off x="0" y="0"/>
+          <a:ext cx="0" cy="0"/>
+          <a:chOff x="0" y="0"/>
+          <a:chExt cx="0" cy="0"/>
+        </a:xfrm>
+      </p:grpSpPr>
+      <p:pic>
+        <p:nvPicPr>
+          <p:cNvPr id="5" name="Picture 4" descr="A diagram of a diagram&#10;&#10;Description automatically generated">
+            <a:extLst>
+              <a:ext uri="{FF2B5EF4-FFF2-40B4-BE49-F238E27FC236}">
+                <a16:creationId xmlns:a16="http://schemas.microsoft.com/office/drawing/2014/main" id="{583ED318-7AC2-586C-136A-256D5891AD75}"/>
+              </a:ext>
+            </a:extLst>
+          </p:cNvPr>
+          <p:cNvPicPr>
+            <a:picLocks noChangeAspect="1"/>
+          </p:cNvPicPr>
+          <p:nvPr/>
+        </p:nvPicPr>
+        <p:blipFill>
+          <a:blip r:embed="rId3"/>
+          <a:stretch>
+            <a:fillRect/>
+          </a:stretch>
+        </p:blipFill>
+        <p:spPr>
+          <a:xfrm>
+            <a:off x="2020211" y="0"/>
+            <a:ext cx="5103577" cy="5143500"/>
+          </a:xfrm>
+          <a:prstGeom prst="rect">
+            <a:avLst/>
+          </a:prstGeom>
+        </p:spPr>
+      </p:pic>
+    </p:spTree>
+    <p:extLst>
+      <p:ext uri="{BB962C8B-B14F-4D97-AF65-F5344CB8AC3E}">
+        <p14:creationId xmlns:p14="http://schemas.microsoft.com/office/powerpoint/2010/main" val="4134662805"/>
+      </p:ext>
+    </p:extLst>
+  </p:cSld>
+  <p:clrMapOvr>
+    <a:masterClrMapping/>
+  </p:clrMapOvr>
+</p:sld>
+</file>
+
+<file path=ppt/slides/slide8.xml><?xml version="1.0" encoding="utf-8"?>
+<p:sld xmlns:a="http://schemas.openxmlformats.org/drawingml/2006/main" xmlns:r="http://schemas.openxmlformats.org/officeDocument/2006/relationships" xmlns:p="http://schemas.openxmlformats.org/presentationml/2006/main">
+  <p:cSld>
+    <p:spTree>
+      <p:nvGrpSpPr>
         <p:cNvPr id="1" name="Shape 236">
           <a:extLst>
             <a:ext uri="{FF2B5EF4-FFF2-40B4-BE49-F238E27FC236}">
@@ -18830,7 +19029,7 @@
 </p:sld>
 </file>
 
-<file path=ppt/slides/slide8.xml><?xml version="1.0" encoding="utf-8"?>
+<file path=ppt/slides/slide9.xml><?xml version="1.0" encoding="utf-8"?>
 <p:sld xmlns:a="http://schemas.openxmlformats.org/drawingml/2006/main" xmlns:r="http://schemas.openxmlformats.org/officeDocument/2006/relationships" xmlns:p="http://schemas.openxmlformats.org/presentationml/2006/main">
   <p:cSld>
     <p:spTree>

--- a/Thread_clone.pptx
+++ b/Thread_clone.pptx
@@ -5,7 +5,7 @@
     <p:sldMasterId id="2147483666" r:id="rId1"/>
   </p:sldMasterIdLst>
   <p:notesMasterIdLst>
-    <p:notesMasterId r:id="rId11"/>
+    <p:notesMasterId r:id="rId12"/>
   </p:notesMasterIdLst>
   <p:sldIdLst>
     <p:sldId id="256" r:id="rId2"/>
@@ -17,56 +17,62 @@
     <p:sldId id="286" r:id="rId8"/>
     <p:sldId id="285" r:id="rId9"/>
     <p:sldId id="261" r:id="rId10"/>
+    <p:sldId id="287" r:id="rId11"/>
   </p:sldIdLst>
   <p:sldSz cx="9144000" cy="5143500" type="screen16x9"/>
   <p:notesSz cx="6858000" cy="9144000"/>
   <p:embeddedFontLst>
     <p:embeddedFont>
+      <p:font typeface="Agency FB" panose="020B0503020202020204" pitchFamily="34" charset="0"/>
+      <p:regular r:id="rId13"/>
+      <p:bold r:id="rId14"/>
+    </p:embeddedFont>
+    <p:embeddedFont>
       <p:font typeface="DM Sans" pitchFamily="2" charset="0"/>
-      <p:regular r:id="rId12"/>
-      <p:bold r:id="rId13"/>
-      <p:italic r:id="rId14"/>
-      <p:boldItalic r:id="rId15"/>
+      <p:regular r:id="rId15"/>
+      <p:bold r:id="rId16"/>
+      <p:italic r:id="rId17"/>
+      <p:boldItalic r:id="rId18"/>
     </p:embeddedFont>
     <p:embeddedFont>
       <p:font typeface="Inter" panose="020B0604020202020204" charset="0"/>
-      <p:regular r:id="rId16"/>
-      <p:bold r:id="rId17"/>
-      <p:italic r:id="rId18"/>
-      <p:boldItalic r:id="rId19"/>
+      <p:regular r:id="rId19"/>
+      <p:bold r:id="rId20"/>
+      <p:italic r:id="rId21"/>
+      <p:boldItalic r:id="rId22"/>
     </p:embeddedFont>
     <p:embeddedFont>
       <p:font typeface="Libre Franklin Black" pitchFamily="2" charset="0"/>
-      <p:bold r:id="rId20"/>
-      <p:boldItalic r:id="rId21"/>
+      <p:bold r:id="rId23"/>
+      <p:boldItalic r:id="rId24"/>
     </p:embeddedFont>
     <p:embeddedFont>
       <p:font typeface="Montserrat" panose="00000500000000000000" pitchFamily="2" charset="0"/>
-      <p:regular r:id="rId22"/>
-      <p:bold r:id="rId23"/>
-      <p:italic r:id="rId24"/>
-      <p:boldItalic r:id="rId25"/>
+      <p:regular r:id="rId25"/>
+      <p:bold r:id="rId26"/>
+      <p:italic r:id="rId27"/>
+      <p:boldItalic r:id="rId28"/>
     </p:embeddedFont>
     <p:embeddedFont>
       <p:font typeface="Patua One" panose="020B0604020202020204" charset="0"/>
-      <p:regular r:id="rId26"/>
+      <p:regular r:id="rId29"/>
     </p:embeddedFont>
     <p:embeddedFont>
       <p:font typeface="Roboto" panose="02000000000000000000" pitchFamily="2" charset="0"/>
-      <p:regular r:id="rId27"/>
-      <p:bold r:id="rId28"/>
-      <p:italic r:id="rId29"/>
-      <p:boldItalic r:id="rId30"/>
+      <p:regular r:id="rId30"/>
+      <p:bold r:id="rId31"/>
+      <p:italic r:id="rId32"/>
+      <p:boldItalic r:id="rId33"/>
     </p:embeddedFont>
     <p:embeddedFont>
       <p:font typeface="Segoe UI Black" panose="020B0A02040204020203" pitchFamily="34" charset="0"/>
-      <p:bold r:id="rId31"/>
-      <p:boldItalic r:id="rId32"/>
+      <p:bold r:id="rId34"/>
+      <p:boldItalic r:id="rId35"/>
     </p:embeddedFont>
     <p:embeddedFont>
       <p:font typeface="Segoe UI Semibold" panose="020B0702040204020203" pitchFamily="34" charset="0"/>
-      <p:bold r:id="rId33"/>
-      <p:boldItalic r:id="rId34"/>
+      <p:bold r:id="rId36"/>
+      <p:boldItalic r:id="rId37"/>
     </p:embeddedFont>
   </p:embeddedFontLst>
   <p:defaultTextStyle>
@@ -844,6 +850,133 @@
         </p:txBody>
       </p:sp>
     </p:spTree>
+  </p:cSld>
+  <p:clrMapOvr>
+    <a:masterClrMapping/>
+  </p:clrMapOvr>
+</p:notes>
+</file>
+
+<file path=ppt/notesSlides/notesSlide10.xml><?xml version="1.0" encoding="utf-8"?>
+<p:notes xmlns:a="http://schemas.openxmlformats.org/drawingml/2006/main" xmlns:r="http://schemas.openxmlformats.org/officeDocument/2006/relationships" xmlns:p="http://schemas.openxmlformats.org/presentationml/2006/main" showMasterSp="0" showMasterPhAnim="0">
+  <p:cSld>
+    <p:spTree>
+      <p:nvGrpSpPr>
+        <p:cNvPr id="1" name="Shape 265">
+          <a:extLst>
+            <a:ext uri="{FF2B5EF4-FFF2-40B4-BE49-F238E27FC236}">
+              <a16:creationId xmlns:a16="http://schemas.microsoft.com/office/drawing/2014/main" id="{1B52CE67-AD4C-BCCB-973A-6B850B6C29F0}"/>
+            </a:ext>
+          </a:extLst>
+        </p:cNvPr>
+        <p:cNvGrpSpPr/>
+        <p:nvPr/>
+      </p:nvGrpSpPr>
+      <p:grpSpPr>
+        <a:xfrm>
+          <a:off x="0" y="0"/>
+          <a:ext cx="0" cy="0"/>
+          <a:chOff x="0" y="0"/>
+          <a:chExt cx="0" cy="0"/>
+        </a:xfrm>
+      </p:grpSpPr>
+      <p:sp>
+        <p:nvSpPr>
+          <p:cNvPr id="266" name="Google Shape;266;g2999ed19337_0_39:notes">
+            <a:extLst>
+              <a:ext uri="{FF2B5EF4-FFF2-40B4-BE49-F238E27FC236}">
+                <a16:creationId xmlns:a16="http://schemas.microsoft.com/office/drawing/2014/main" id="{7839D459-5F1E-A9A7-1A28-0B9FAD8B7800}"/>
+              </a:ext>
+            </a:extLst>
+          </p:cNvPr>
+          <p:cNvSpPr>
+            <a:spLocks noGrp="1" noRot="1" noChangeAspect="1"/>
+          </p:cNvSpPr>
+          <p:nvPr>
+            <p:ph type="sldImg" idx="2"/>
+          </p:nvPr>
+        </p:nvSpPr>
+        <p:spPr>
+          <a:xfrm>
+            <a:off x="381000" y="685800"/>
+            <a:ext cx="6096000" cy="3429000"/>
+          </a:xfrm>
+          <a:custGeom>
+            <a:avLst/>
+            <a:gdLst/>
+            <a:ahLst/>
+            <a:cxnLst/>
+            <a:rect l="l" t="t" r="r" b="b"/>
+            <a:pathLst>
+              <a:path w="120000" h="120000" extrusionOk="0">
+                <a:moveTo>
+                  <a:pt x="0" y="0"/>
+                </a:moveTo>
+                <a:lnTo>
+                  <a:pt x="120000" y="0"/>
+                </a:lnTo>
+                <a:lnTo>
+                  <a:pt x="120000" y="120000"/>
+                </a:lnTo>
+                <a:lnTo>
+                  <a:pt x="0" y="120000"/>
+                </a:lnTo>
+                <a:close/>
+              </a:path>
+            </a:pathLst>
+          </a:custGeom>
+        </p:spPr>
+      </p:sp>
+      <p:sp>
+        <p:nvSpPr>
+          <p:cNvPr id="267" name="Google Shape;267;g2999ed19337_0_39:notes">
+            <a:extLst>
+              <a:ext uri="{FF2B5EF4-FFF2-40B4-BE49-F238E27FC236}">
+                <a16:creationId xmlns:a16="http://schemas.microsoft.com/office/drawing/2014/main" id="{B0311244-EDF8-4F31-26B8-F328EEAC0BF0}"/>
+              </a:ext>
+            </a:extLst>
+          </p:cNvPr>
+          <p:cNvSpPr txBox="1">
+            <a:spLocks noGrp="1"/>
+          </p:cNvSpPr>
+          <p:nvPr>
+            <p:ph type="body" idx="1"/>
+          </p:nvPr>
+        </p:nvSpPr>
+        <p:spPr>
+          <a:xfrm>
+            <a:off x="685800" y="4343400"/>
+            <a:ext cx="5486400" cy="4114800"/>
+          </a:xfrm>
+          <a:prstGeom prst="rect">
+            <a:avLst/>
+          </a:prstGeom>
+        </p:spPr>
+        <p:txBody>
+          <a:bodyPr spcFirstLastPara="1" wrap="square" lIns="91425" tIns="91425" rIns="91425" bIns="91425" anchor="t" anchorCtr="0">
+            <a:noAutofit/>
+          </a:bodyPr>
+          <a:lstStyle/>
+          <a:p>
+            <a:pPr marL="0" lvl="0" indent="0" algn="l" rtl="0">
+              <a:spcBef>
+                <a:spcPts val="0"/>
+              </a:spcBef>
+              <a:spcAft>
+                <a:spcPts val="0"/>
+              </a:spcAft>
+              <a:buNone/>
+            </a:pPr>
+            <a:endParaRPr/>
+          </a:p>
+        </p:txBody>
+      </p:sp>
+    </p:spTree>
+    <p:extLst>
+      <p:ext uri="{BB962C8B-B14F-4D97-AF65-F5344CB8AC3E}">
+        <p14:creationId xmlns:p14="http://schemas.microsoft.com/office/powerpoint/2010/main" val="3654515247"/>
+      </p:ext>
+    </p:extLst>
   </p:cSld>
   <p:clrMapOvr>
     <a:masterClrMapping/>
@@ -17198,6 +17331,265 @@
 </p:sld>
 </file>
 
+<file path=ppt/slides/slide10.xml><?xml version="1.0" encoding="utf-8"?>
+<p:sld xmlns:a="http://schemas.openxmlformats.org/drawingml/2006/main" xmlns:r="http://schemas.openxmlformats.org/officeDocument/2006/relationships" xmlns:p="http://schemas.openxmlformats.org/presentationml/2006/main">
+  <p:cSld>
+    <p:spTree>
+      <p:nvGrpSpPr>
+        <p:cNvPr id="1" name="Shape 268">
+          <a:extLst>
+            <a:ext uri="{FF2B5EF4-FFF2-40B4-BE49-F238E27FC236}">
+              <a16:creationId xmlns:a16="http://schemas.microsoft.com/office/drawing/2014/main" id="{0AC7B92E-104D-88AF-687C-D4A8CDF5D4F8}"/>
+            </a:ext>
+          </a:extLst>
+        </p:cNvPr>
+        <p:cNvGrpSpPr/>
+        <p:nvPr/>
+      </p:nvGrpSpPr>
+      <p:grpSpPr>
+        <a:xfrm>
+          <a:off x="0" y="0"/>
+          <a:ext cx="0" cy="0"/>
+          <a:chOff x="0" y="0"/>
+          <a:chExt cx="0" cy="0"/>
+        </a:xfrm>
+      </p:grpSpPr>
+      <p:sp>
+        <p:nvSpPr>
+          <p:cNvPr id="3" name="TextBox 2">
+            <a:extLst>
+              <a:ext uri="{FF2B5EF4-FFF2-40B4-BE49-F238E27FC236}">
+                <a16:creationId xmlns:a16="http://schemas.microsoft.com/office/drawing/2014/main" id="{6720B171-6E72-08C4-125D-3BCC99BEFFEB}"/>
+              </a:ext>
+            </a:extLst>
+          </p:cNvPr>
+          <p:cNvSpPr txBox="1"/>
+          <p:nvPr/>
+        </p:nvSpPr>
+        <p:spPr>
+          <a:xfrm>
+            <a:off x="776567" y="1064688"/>
+            <a:ext cx="6289862" cy="2554545"/>
+          </a:xfrm>
+          <a:prstGeom prst="rect">
+            <a:avLst/>
+          </a:prstGeom>
+          <a:noFill/>
+        </p:spPr>
+        <p:txBody>
+          <a:bodyPr wrap="square">
+            <a:spAutoFit/>
+          </a:bodyPr>
+          <a:lstStyle/>
+          <a:p>
+            <a:r>
+              <a:rPr lang="vi-VN" sz="1600" dirty="0">
+                <a:latin typeface="Aptos" panose="020B0004020202020204" pitchFamily="34" charset="0"/>
+              </a:rPr>
+              <a:t>Hệ thống sử dụng </a:t>
+            </a:r>
+            <a:r>
+              <a:rPr lang="vi-VN" sz="1600" b="1" dirty="0">
+                <a:latin typeface="Aptos" panose="020B0004020202020204" pitchFamily="34" charset="0"/>
+              </a:rPr>
+              <a:t>MySQL</a:t>
+            </a:r>
+            <a:r>
+              <a:rPr lang="vi-VN" sz="1600" dirty="0">
+                <a:latin typeface="Aptos" panose="020B0004020202020204" pitchFamily="34" charset="0"/>
+              </a:rPr>
+              <a:t> và </a:t>
+            </a:r>
+            <a:r>
+              <a:rPr lang="vi-VN" sz="1600" b="1" dirty="0">
+                <a:latin typeface="Aptos" panose="020B0004020202020204" pitchFamily="34" charset="0"/>
+              </a:rPr>
+              <a:t>MongoDB</a:t>
+            </a:r>
+            <a:r>
+              <a:rPr lang="vi-VN" sz="1600" dirty="0">
+                <a:latin typeface="Aptos" panose="020B0004020202020204" pitchFamily="34" charset="0"/>
+              </a:rPr>
+              <a:t> để quản lý dữ liệu:</a:t>
+            </a:r>
+          </a:p>
+          <a:p>
+            <a:pPr>
+              <a:buFont typeface="Arial" panose="020B0604020202020204" pitchFamily="34" charset="0"/>
+              <a:buChar char="•"/>
+            </a:pPr>
+            <a:r>
+              <a:rPr lang="vi-VN" sz="1600" b="1" dirty="0">
+                <a:latin typeface="Aptos" panose="020B0004020202020204" pitchFamily="34" charset="0"/>
+              </a:rPr>
+              <a:t>MySQL</a:t>
+            </a:r>
+            <a:r>
+              <a:rPr lang="vi-VN" sz="1600" dirty="0">
+                <a:latin typeface="Aptos" panose="020B0004020202020204" pitchFamily="34" charset="0"/>
+              </a:rPr>
+              <a:t>: Quản lý dữ liệu có cấu trúc như:</a:t>
+            </a:r>
+          </a:p>
+          <a:p>
+            <a:pPr marL="742950" lvl="1" indent="-285750">
+              <a:buFont typeface="Arial" panose="020B0604020202020204" pitchFamily="34" charset="0"/>
+              <a:buChar char="•"/>
+            </a:pPr>
+            <a:r>
+              <a:rPr lang="vi-VN" sz="1600" b="1" dirty="0">
+                <a:latin typeface="Aptos" panose="020B0004020202020204" pitchFamily="34" charset="0"/>
+              </a:rPr>
+              <a:t>web_user</a:t>
+            </a:r>
+            <a:r>
+              <a:rPr lang="vi-VN" sz="1600" dirty="0">
+                <a:latin typeface="Aptos" panose="020B0004020202020204" pitchFamily="34" charset="0"/>
+              </a:rPr>
+              <a:t>: Thông tin người dùng.</a:t>
+            </a:r>
+          </a:p>
+          <a:p>
+            <a:pPr marL="742950" lvl="1" indent="-285750">
+              <a:buFont typeface="Arial" panose="020B0604020202020204" pitchFamily="34" charset="0"/>
+              <a:buChar char="•"/>
+            </a:pPr>
+            <a:r>
+              <a:rPr lang="vi-VN" sz="1600" b="1" dirty="0">
+                <a:latin typeface="Aptos" panose="020B0004020202020204" pitchFamily="34" charset="0"/>
+              </a:rPr>
+              <a:t>web_post</a:t>
+            </a:r>
+            <a:r>
+              <a:rPr lang="vi-VN" sz="1600" dirty="0">
+                <a:latin typeface="Aptos" panose="020B0004020202020204" pitchFamily="34" charset="0"/>
+              </a:rPr>
+              <a:t> và </a:t>
+            </a:r>
+            <a:r>
+              <a:rPr lang="vi-VN" sz="1600" b="1" dirty="0">
+                <a:latin typeface="Aptos" panose="020B0004020202020204" pitchFamily="34" charset="0"/>
+              </a:rPr>
+              <a:t>web_comment</a:t>
+            </a:r>
+            <a:r>
+              <a:rPr lang="vi-VN" sz="1600" dirty="0">
+                <a:latin typeface="Aptos" panose="020B0004020202020204" pitchFamily="34" charset="0"/>
+              </a:rPr>
+              <a:t>: Bài viết và bình luận.</a:t>
+            </a:r>
+          </a:p>
+          <a:p>
+            <a:pPr marL="742950" lvl="1" indent="-285750">
+              <a:buFont typeface="Arial" panose="020B0604020202020204" pitchFamily="34" charset="0"/>
+              <a:buChar char="•"/>
+            </a:pPr>
+            <a:r>
+              <a:rPr lang="vi-VN" sz="1600" b="1" dirty="0">
+                <a:latin typeface="Aptos" panose="020B0004020202020204" pitchFamily="34" charset="0"/>
+              </a:rPr>
+              <a:t>web_friends</a:t>
+            </a:r>
+            <a:r>
+              <a:rPr lang="vi-VN" sz="1600" dirty="0">
+                <a:latin typeface="Aptos" panose="020B0004020202020204" pitchFamily="34" charset="0"/>
+              </a:rPr>
+              <a:t>: Quan hệ bạn bè giữa người dùng.</a:t>
+            </a:r>
+          </a:p>
+          <a:p>
+            <a:pPr marL="742950" lvl="1" indent="-285750">
+              <a:buFont typeface="Arial" panose="020B0604020202020204" pitchFamily="34" charset="0"/>
+              <a:buChar char="•"/>
+            </a:pPr>
+            <a:r>
+              <a:rPr lang="vi-VN" sz="1600" b="1" dirty="0">
+                <a:latin typeface="Aptos" panose="020B0004020202020204" pitchFamily="34" charset="0"/>
+              </a:rPr>
+              <a:t>ticket_support</a:t>
+            </a:r>
+            <a:r>
+              <a:rPr lang="vi-VN" sz="1600" dirty="0">
+                <a:latin typeface="Aptos" panose="020B0004020202020204" pitchFamily="34" charset="0"/>
+              </a:rPr>
+              <a:t> và </a:t>
+            </a:r>
+            <a:r>
+              <a:rPr lang="vi-VN" sz="1600" b="1" dirty="0">
+                <a:latin typeface="Aptos" panose="020B0004020202020204" pitchFamily="34" charset="0"/>
+              </a:rPr>
+              <a:t>ticket_comment</a:t>
+            </a:r>
+            <a:r>
+              <a:rPr lang="vi-VN" sz="1600" dirty="0">
+                <a:latin typeface="Aptos" panose="020B0004020202020204" pitchFamily="34" charset="0"/>
+              </a:rPr>
+              <a:t>: Phiếu hỗ trợ và bình luận về phiếu.</a:t>
+            </a:r>
+          </a:p>
+          <a:p>
+            <a:pPr marL="742950" lvl="1" indent="-285750">
+              <a:buFont typeface="Arial" panose="020B0604020202020204" pitchFamily="34" charset="0"/>
+              <a:buChar char="•"/>
+            </a:pPr>
+            <a:r>
+              <a:rPr lang="vi-VN" sz="1600" b="1" dirty="0">
+                <a:latin typeface="Aptos" panose="020B0004020202020204" pitchFamily="34" charset="0"/>
+              </a:rPr>
+              <a:t>web_likes</a:t>
+            </a:r>
+            <a:r>
+              <a:rPr lang="vi-VN" sz="1600" dirty="0">
+                <a:latin typeface="Aptos" panose="020B0004020202020204" pitchFamily="34" charset="0"/>
+              </a:rPr>
+              <a:t>: Lưu lượt thích bài viết.</a:t>
+            </a:r>
+          </a:p>
+          <a:p>
+            <a:pPr>
+              <a:buFont typeface="Arial" panose="020B0604020202020204" pitchFamily="34" charset="0"/>
+              <a:buChar char="•"/>
+            </a:pPr>
+            <a:r>
+              <a:rPr lang="vi-VN" sz="1600" b="1" dirty="0">
+                <a:latin typeface="Aptos" panose="020B0004020202020204" pitchFamily="34" charset="0"/>
+              </a:rPr>
+              <a:t>MongoDB</a:t>
+            </a:r>
+            <a:r>
+              <a:rPr lang="vi-VN" sz="1600" dirty="0">
+                <a:latin typeface="Aptos" panose="020B0004020202020204" pitchFamily="34" charset="0"/>
+              </a:rPr>
+              <a:t>: Lưu trữ các </a:t>
+            </a:r>
+            <a:r>
+              <a:rPr lang="vi-VN" sz="1600" b="1" dirty="0">
+                <a:latin typeface="Aptos" panose="020B0004020202020204" pitchFamily="34" charset="0"/>
+              </a:rPr>
+              <a:t>messages</a:t>
+            </a:r>
+            <a:r>
+              <a:rPr lang="vi-VN" sz="1600" dirty="0">
+                <a:latin typeface="Aptos" panose="020B0004020202020204" pitchFamily="34" charset="0"/>
+              </a:rPr>
+              <a:t> (tin nhắn chat) giữa người dùng, giúp tối ưu hóa hiệu suất cho dữ liệu lớn và thời gian thực.</a:t>
+            </a:r>
+          </a:p>
+        </p:txBody>
+      </p:sp>
+    </p:spTree>
+    <p:extLst>
+      <p:ext uri="{BB962C8B-B14F-4D97-AF65-F5344CB8AC3E}">
+        <p14:creationId xmlns:p14="http://schemas.microsoft.com/office/powerpoint/2010/main" val="3861793220"/>
+      </p:ext>
+    </p:extLst>
+  </p:cSld>
+  <p:clrMapOvr>
+    <a:masterClrMapping/>
+  </p:clrMapOvr>
+</p:sld>
+</file>
+
 <file path=ppt/slides/slide2.xml><?xml version="1.0" encoding="utf-8"?>
 <p:sld xmlns:a="http://schemas.openxmlformats.org/drawingml/2006/main" xmlns:r="http://schemas.openxmlformats.org/officeDocument/2006/relationships" xmlns:p="http://schemas.openxmlformats.org/presentationml/2006/main">
   <p:cSld>
@@ -18799,10 +19191,10 @@
       </p:grpSpPr>
       <p:pic>
         <p:nvPicPr>
-          <p:cNvPr id="5" name="Picture 4" descr="A diagram of a diagram&#10;&#10;Description automatically generated">
+          <p:cNvPr id="3" name="Picture 2" descr="A diagram of a diagram">
             <a:extLst>
               <a:ext uri="{FF2B5EF4-FFF2-40B4-BE49-F238E27FC236}">
-                <a16:creationId xmlns:a16="http://schemas.microsoft.com/office/drawing/2014/main" id="{583ED318-7AC2-586C-136A-256D5891AD75}"/>
+                <a16:creationId xmlns:a16="http://schemas.microsoft.com/office/drawing/2014/main" id="{9C1ACC41-A08B-A7F7-1DF8-379AEA6177A8}"/>
               </a:ext>
             </a:extLst>
           </p:cNvPr>
@@ -18819,14 +19211,516 @@
         </p:blipFill>
         <p:spPr>
           <a:xfrm>
-            <a:off x="2020211" y="0"/>
-            <a:ext cx="5103577" cy="5143500"/>
+            <a:off x="568464" y="0"/>
+            <a:ext cx="2789615" cy="5143500"/>
           </a:xfrm>
           <a:prstGeom prst="rect">
             <a:avLst/>
           </a:prstGeom>
         </p:spPr>
       </p:pic>
+      <p:sp>
+        <p:nvSpPr>
+          <p:cNvPr id="6" name="TextBox 5">
+            <a:extLst>
+              <a:ext uri="{FF2B5EF4-FFF2-40B4-BE49-F238E27FC236}">
+                <a16:creationId xmlns:a16="http://schemas.microsoft.com/office/drawing/2014/main" id="{B06D6D86-F24B-EC1D-ABFF-192FFCB1A000}"/>
+              </a:ext>
+            </a:extLst>
+          </p:cNvPr>
+          <p:cNvSpPr txBox="1"/>
+          <p:nvPr/>
+        </p:nvSpPr>
+        <p:spPr>
+          <a:xfrm>
+            <a:off x="3502958" y="391319"/>
+            <a:ext cx="4948517" cy="4462760"/>
+          </a:xfrm>
+          <a:prstGeom prst="rect">
+            <a:avLst/>
+          </a:prstGeom>
+          <a:noFill/>
+        </p:spPr>
+        <p:txBody>
+          <a:bodyPr wrap="square">
+            <a:spAutoFit/>
+          </a:bodyPr>
+          <a:lstStyle/>
+          <a:p>
+            <a:pPr marL="171450" indent="-171450">
+              <a:buFont typeface="Arial" panose="020B0604020202020204" pitchFamily="34" charset="0"/>
+              <a:buChar char="•"/>
+            </a:pPr>
+            <a:r>
+              <a:rPr lang="vi-VN" sz="1200" b="1" dirty="0">
+                <a:solidFill>
+                  <a:schemeClr val="bg2">
+                    <a:lumMod val="75000"/>
+                  </a:schemeClr>
+                </a:solidFill>
+              </a:rPr>
+              <a:t>Người dùng</a:t>
+            </a:r>
+            <a:r>
+              <a:rPr lang="vi-VN" sz="1200" dirty="0">
+                <a:solidFill>
+                  <a:schemeClr val="bg2">
+                    <a:lumMod val="75000"/>
+                  </a:schemeClr>
+                </a:solidFill>
+              </a:rPr>
+              <a:t>: Người dùng thông thường của hệ thống, có thể thực hiện các chức năng cơ bản như:</a:t>
+            </a:r>
+            <a:endParaRPr lang="en-US" sz="1200" dirty="0">
+              <a:solidFill>
+                <a:schemeClr val="bg2">
+                  <a:lumMod val="75000"/>
+                </a:schemeClr>
+              </a:solidFill>
+              <a:latin typeface="Agency FB" panose="020B0503020202020204" pitchFamily="34" charset="0"/>
+            </a:endParaRPr>
+          </a:p>
+          <a:p>
+            <a:pPr marL="171450" lvl="3" indent="-171450">
+              <a:buFont typeface="Courier New" panose="02070309020205020404" pitchFamily="49" charset="0"/>
+              <a:buChar char="o"/>
+            </a:pPr>
+            <a:r>
+              <a:rPr lang="vi-VN" sz="1200" dirty="0">
+                <a:solidFill>
+                  <a:schemeClr val="bg2">
+                    <a:lumMod val="75000"/>
+                  </a:schemeClr>
+                </a:solidFill>
+              </a:rPr>
+              <a:t>Đăng ký: </a:t>
+            </a:r>
+            <a:endParaRPr lang="en-US" sz="1200" dirty="0">
+              <a:solidFill>
+                <a:schemeClr val="bg2">
+                  <a:lumMod val="75000"/>
+                </a:schemeClr>
+              </a:solidFill>
+              <a:latin typeface="Agency FB" panose="020B0503020202020204" pitchFamily="34" charset="0"/>
+            </a:endParaRPr>
+          </a:p>
+          <a:p>
+            <a:pPr marL="171450" indent="-171450">
+              <a:buFont typeface="Courier New" panose="02070309020205020404" pitchFamily="49" charset="0"/>
+              <a:buChar char="o"/>
+            </a:pPr>
+            <a:r>
+              <a:rPr lang="vi-VN" sz="1200" dirty="0">
+                <a:solidFill>
+                  <a:schemeClr val="bg2">
+                    <a:lumMod val="75000"/>
+                  </a:schemeClr>
+                </a:solidFill>
+              </a:rPr>
+              <a:t>Tạo tài khoản mới.</a:t>
+            </a:r>
+            <a:endParaRPr lang="en-US" sz="1200" dirty="0">
+              <a:solidFill>
+                <a:schemeClr val="bg2">
+                  <a:lumMod val="75000"/>
+                </a:schemeClr>
+              </a:solidFill>
+              <a:latin typeface="Agency FB" panose="020B0503020202020204" pitchFamily="34" charset="0"/>
+            </a:endParaRPr>
+          </a:p>
+          <a:p>
+            <a:pPr marL="171450" indent="-171450">
+              <a:buFont typeface="Courier New" panose="02070309020205020404" pitchFamily="49" charset="0"/>
+              <a:buChar char="o"/>
+            </a:pPr>
+            <a:r>
+              <a:rPr lang="vi-VN" sz="1200" dirty="0">
+                <a:solidFill>
+                  <a:schemeClr val="bg2">
+                    <a:lumMod val="75000"/>
+                  </a:schemeClr>
+                </a:solidFill>
+              </a:rPr>
+              <a:t>Đổi mật khẩu: </a:t>
+            </a:r>
+            <a:endParaRPr lang="en-US" sz="1200" dirty="0">
+              <a:solidFill>
+                <a:schemeClr val="bg2">
+                  <a:lumMod val="75000"/>
+                </a:schemeClr>
+              </a:solidFill>
+              <a:latin typeface="Agency FB" panose="020B0503020202020204" pitchFamily="34" charset="0"/>
+            </a:endParaRPr>
+          </a:p>
+          <a:p>
+            <a:pPr marL="228600" indent="-228600">
+              <a:buFont typeface="Courier New" panose="02070309020205020404" pitchFamily="49" charset="0"/>
+              <a:buChar char="o"/>
+            </a:pPr>
+            <a:r>
+              <a:rPr lang="vi-VN" sz="1200" dirty="0">
+                <a:solidFill>
+                  <a:schemeClr val="bg2">
+                    <a:lumMod val="75000"/>
+                  </a:schemeClr>
+                </a:solidFill>
+              </a:rPr>
+              <a:t>Cập nhật thông tin cá nhân: </a:t>
+            </a:r>
+            <a:endParaRPr lang="en-US" sz="1200" dirty="0">
+              <a:solidFill>
+                <a:schemeClr val="bg2">
+                  <a:lumMod val="75000"/>
+                </a:schemeClr>
+              </a:solidFill>
+              <a:latin typeface="Agency FB" panose="020B0503020202020204" pitchFamily="34" charset="0"/>
+            </a:endParaRPr>
+          </a:p>
+          <a:p>
+            <a:pPr marL="171450" indent="-171450">
+              <a:buFont typeface="Courier New" panose="02070309020205020404" pitchFamily="49" charset="0"/>
+              <a:buChar char="o"/>
+            </a:pPr>
+            <a:r>
+              <a:rPr lang="vi-VN" sz="1200" dirty="0">
+                <a:solidFill>
+                  <a:schemeClr val="bg2">
+                    <a:lumMod val="75000"/>
+                  </a:schemeClr>
+                </a:solidFill>
+              </a:rPr>
+              <a:t>Tương tác với bài viết: Like, comment</a:t>
+            </a:r>
+            <a:r>
+              <a:rPr lang="en-US" sz="1200" dirty="0">
+                <a:solidFill>
+                  <a:schemeClr val="bg2">
+                    <a:lumMod val="75000"/>
+                  </a:schemeClr>
+                </a:solidFill>
+                <a:latin typeface="Agency FB" panose="020B0503020202020204" pitchFamily="34" charset="0"/>
+              </a:rPr>
+              <a:t> </a:t>
+            </a:r>
+            <a:r>
+              <a:rPr lang="vi-VN" sz="1200" dirty="0">
+                <a:solidFill>
+                  <a:schemeClr val="bg2">
+                    <a:lumMod val="75000"/>
+                  </a:schemeClr>
+                </a:solidFill>
+              </a:rPr>
+              <a:t>bài viết.</a:t>
+            </a:r>
+            <a:endParaRPr lang="en-US" sz="1200" dirty="0">
+              <a:solidFill>
+                <a:schemeClr val="bg2">
+                  <a:lumMod val="75000"/>
+                </a:schemeClr>
+              </a:solidFill>
+              <a:latin typeface="Agency FB" panose="020B0503020202020204" pitchFamily="34" charset="0"/>
+            </a:endParaRPr>
+          </a:p>
+          <a:p>
+            <a:pPr marL="171450" indent="-171450">
+              <a:buFont typeface="Courier New" panose="02070309020205020404" pitchFamily="49" charset="0"/>
+              <a:buChar char="o"/>
+            </a:pPr>
+            <a:r>
+              <a:rPr lang="vi-VN" sz="1200" dirty="0">
+                <a:solidFill>
+                  <a:schemeClr val="bg2">
+                    <a:lumMod val="75000"/>
+                  </a:schemeClr>
+                </a:solidFill>
+              </a:rPr>
+              <a:t>Đăng bài: Tạo và đăng bài viết mới.</a:t>
+            </a:r>
+            <a:endParaRPr lang="en-US" sz="1200" dirty="0">
+              <a:solidFill>
+                <a:schemeClr val="bg2">
+                  <a:lumMod val="75000"/>
+                </a:schemeClr>
+              </a:solidFill>
+              <a:latin typeface="Agency FB" panose="020B0503020202020204" pitchFamily="34" charset="0"/>
+            </a:endParaRPr>
+          </a:p>
+          <a:p>
+            <a:pPr marL="171450" indent="-171450">
+              <a:buFont typeface="Courier New" panose="02070309020205020404" pitchFamily="49" charset="0"/>
+              <a:buChar char="o"/>
+            </a:pPr>
+            <a:r>
+              <a:rPr lang="vi-VN" sz="1200" dirty="0">
+                <a:solidFill>
+                  <a:schemeClr val="bg2">
+                    <a:lumMod val="75000"/>
+                  </a:schemeClr>
+                </a:solidFill>
+              </a:rPr>
+              <a:t>Đăng nhập/Đăng xuất: Truy cập hoặc rời khỏi hệ thống.</a:t>
+            </a:r>
+            <a:endParaRPr lang="en-US" sz="1200" dirty="0">
+              <a:solidFill>
+                <a:schemeClr val="bg2">
+                  <a:lumMod val="75000"/>
+                </a:schemeClr>
+              </a:solidFill>
+              <a:latin typeface="Agency FB" panose="020B0503020202020204" pitchFamily="34" charset="0"/>
+            </a:endParaRPr>
+          </a:p>
+          <a:p>
+            <a:pPr marL="171450" indent="-171450">
+              <a:buFont typeface="Courier New" panose="02070309020205020404" pitchFamily="49" charset="0"/>
+              <a:buChar char="o"/>
+            </a:pPr>
+            <a:r>
+              <a:rPr lang="vi-VN" sz="1200" dirty="0">
+                <a:solidFill>
+                  <a:schemeClr val="bg2">
+                    <a:lumMod val="75000"/>
+                  </a:schemeClr>
+                </a:solidFill>
+              </a:rPr>
+              <a:t>Thêm/Xóa bạn bè: Gửi hoặc nhận yêu cầu kết bạn.</a:t>
+            </a:r>
+            <a:endParaRPr lang="en-US" sz="1200" dirty="0">
+              <a:solidFill>
+                <a:schemeClr val="bg2">
+                  <a:lumMod val="75000"/>
+                </a:schemeClr>
+              </a:solidFill>
+              <a:latin typeface="Agency FB" panose="020B0503020202020204" pitchFamily="34" charset="0"/>
+            </a:endParaRPr>
+          </a:p>
+          <a:p>
+            <a:pPr marL="171450" indent="-171450">
+              <a:buFont typeface="Courier New" panose="02070309020205020404" pitchFamily="49" charset="0"/>
+              <a:buChar char="o"/>
+            </a:pPr>
+            <a:r>
+              <a:rPr lang="vi-VN" sz="1200" dirty="0">
+                <a:solidFill>
+                  <a:schemeClr val="bg2">
+                    <a:lumMod val="75000"/>
+                  </a:schemeClr>
+                </a:solidFill>
+              </a:rPr>
+              <a:t>Bình luận vào phiếu hỗ trợ: Đóng góp ý kiến về các phiếu hỗ trợ.</a:t>
+            </a:r>
+            <a:endParaRPr lang="en-US" sz="1200" dirty="0">
+              <a:solidFill>
+                <a:schemeClr val="bg2">
+                  <a:lumMod val="75000"/>
+                </a:schemeClr>
+              </a:solidFill>
+              <a:latin typeface="Agency FB" panose="020B0503020202020204" pitchFamily="34" charset="0"/>
+            </a:endParaRPr>
+          </a:p>
+          <a:p>
+            <a:pPr marL="171450" indent="-171450">
+              <a:buFont typeface="Courier New" panose="02070309020205020404" pitchFamily="49" charset="0"/>
+              <a:buChar char="o"/>
+            </a:pPr>
+            <a:r>
+              <a:rPr lang="vi-VN" sz="1200" dirty="0">
+                <a:solidFill>
+                  <a:schemeClr val="bg2">
+                    <a:lumMod val="75000"/>
+                  </a:schemeClr>
+                </a:solidFill>
+              </a:rPr>
+              <a:t>Chat với bạn bè: Trò chuyện với bạn bè qua hệ thống chat.</a:t>
+            </a:r>
+            <a:endParaRPr lang="en-US" sz="1200" dirty="0">
+              <a:solidFill>
+                <a:schemeClr val="bg2">
+                  <a:lumMod val="75000"/>
+                </a:schemeClr>
+              </a:solidFill>
+              <a:latin typeface="Agency FB" panose="020B0503020202020204" pitchFamily="34" charset="0"/>
+            </a:endParaRPr>
+          </a:p>
+          <a:p>
+            <a:pPr marL="171450" indent="-171450">
+              <a:buFont typeface="Courier New" panose="02070309020205020404" pitchFamily="49" charset="0"/>
+              <a:buChar char="o"/>
+            </a:pPr>
+            <a:r>
+              <a:rPr lang="vi-VN" sz="1200" dirty="0">
+                <a:solidFill>
+                  <a:schemeClr val="bg2">
+                    <a:lumMod val="75000"/>
+                  </a:schemeClr>
+                </a:solidFill>
+              </a:rPr>
+              <a:t>Xem hồ sơ người dùng khác: Truy cập vào hồ sơ của bạn bè.</a:t>
+            </a:r>
+            <a:endParaRPr lang="en-US" sz="1200" dirty="0">
+              <a:solidFill>
+                <a:schemeClr val="bg2">
+                  <a:lumMod val="75000"/>
+                </a:schemeClr>
+              </a:solidFill>
+              <a:latin typeface="Agency FB" panose="020B0503020202020204" pitchFamily="34" charset="0"/>
+            </a:endParaRPr>
+          </a:p>
+          <a:p>
+            <a:pPr marL="171450" indent="-171450">
+              <a:buFont typeface="Courier New" panose="02070309020205020404" pitchFamily="49" charset="0"/>
+              <a:buChar char="o"/>
+            </a:pPr>
+            <a:r>
+              <a:rPr lang="vi-VN" sz="1200" dirty="0">
+                <a:solidFill>
+                  <a:schemeClr val="bg2">
+                    <a:lumMod val="75000"/>
+                  </a:schemeClr>
+                </a:solidFill>
+              </a:rPr>
+              <a:t>Tạo/Đóng phiếu hỗ trợ: Gửi phiếu yêu cầu hỗ trợ và đóng khi vấn đề được giải quyết.</a:t>
+            </a:r>
+            <a:endParaRPr lang="en-US" sz="1200" dirty="0">
+              <a:solidFill>
+                <a:schemeClr val="bg2">
+                  <a:lumMod val="75000"/>
+                </a:schemeClr>
+              </a:solidFill>
+              <a:latin typeface="Agency FB" panose="020B0503020202020204" pitchFamily="34" charset="0"/>
+            </a:endParaRPr>
+          </a:p>
+          <a:p>
+            <a:pPr marL="171450" indent="-171450">
+              <a:buFont typeface="Courier New" panose="02070309020205020404" pitchFamily="49" charset="0"/>
+              <a:buChar char="o"/>
+            </a:pPr>
+            <a:r>
+              <a:rPr lang="vi-VN" sz="1200" dirty="0">
+                <a:solidFill>
+                  <a:schemeClr val="bg2">
+                    <a:lumMod val="75000"/>
+                  </a:schemeClr>
+                </a:solidFill>
+              </a:rPr>
+              <a:t>Xem bài viết của bạn bè: Theo dõi bài viết của bạn bè.</a:t>
+            </a:r>
+            <a:endParaRPr lang="en-US" sz="1200" dirty="0">
+              <a:solidFill>
+                <a:schemeClr val="bg2">
+                  <a:lumMod val="75000"/>
+                </a:schemeClr>
+              </a:solidFill>
+              <a:latin typeface="Agency FB" panose="020B0503020202020204" pitchFamily="34" charset="0"/>
+            </a:endParaRPr>
+          </a:p>
+          <a:p>
+            <a:pPr marL="171450" indent="-171450">
+              <a:buFont typeface="Arial" panose="020B0604020202020204" pitchFamily="34" charset="0"/>
+              <a:buChar char="•"/>
+            </a:pPr>
+            <a:r>
+              <a:rPr lang="vi-VN" sz="1200" b="1" dirty="0">
+                <a:solidFill>
+                  <a:schemeClr val="bg2">
+                    <a:lumMod val="75000"/>
+                  </a:schemeClr>
+                </a:solidFill>
+              </a:rPr>
+              <a:t>Quản trị viên</a:t>
+            </a:r>
+            <a:r>
+              <a:rPr lang="vi-VN" sz="1200" dirty="0">
+                <a:solidFill>
+                  <a:schemeClr val="bg2">
+                    <a:lumMod val="75000"/>
+                  </a:schemeClr>
+                </a:solidFill>
+              </a:rPr>
+              <a:t>: Ngoài những chức năng như Người dùng, Quản trị viên còn có quyền hạn cao hơn:</a:t>
+            </a:r>
+            <a:endParaRPr lang="en-US" sz="1200" dirty="0">
+              <a:solidFill>
+                <a:schemeClr val="bg2">
+                  <a:lumMod val="75000"/>
+                </a:schemeClr>
+              </a:solidFill>
+              <a:latin typeface="Agency FB" panose="020B0503020202020204" pitchFamily="34" charset="0"/>
+            </a:endParaRPr>
+          </a:p>
+          <a:p>
+            <a:pPr marL="171450" indent="-171450">
+              <a:buFont typeface="Courier New" panose="02070309020205020404" pitchFamily="49" charset="0"/>
+              <a:buChar char="o"/>
+            </a:pPr>
+            <a:r>
+              <a:rPr lang="vi-VN" sz="1200" dirty="0">
+                <a:solidFill>
+                  <a:schemeClr val="bg2">
+                    <a:lumMod val="75000"/>
+                  </a:schemeClr>
+                </a:solidFill>
+              </a:rPr>
+              <a:t>Quản lý người dùng: Thêm, sửa, xóa thông tin tài khoản.</a:t>
+            </a:r>
+            <a:endParaRPr lang="en-US" sz="1200" dirty="0">
+              <a:solidFill>
+                <a:schemeClr val="bg2">
+                  <a:lumMod val="75000"/>
+                </a:schemeClr>
+              </a:solidFill>
+              <a:latin typeface="Agency FB" panose="020B0503020202020204" pitchFamily="34" charset="0"/>
+            </a:endParaRPr>
+          </a:p>
+          <a:p>
+            <a:pPr marL="171450" indent="-171450">
+              <a:buFont typeface="Courier New" panose="02070309020205020404" pitchFamily="49" charset="0"/>
+              <a:buChar char="o"/>
+            </a:pPr>
+            <a:r>
+              <a:rPr lang="vi-VN" sz="1200" dirty="0">
+                <a:solidFill>
+                  <a:schemeClr val="bg2">
+                    <a:lumMod val="75000"/>
+                  </a:schemeClr>
+                </a:solidFill>
+              </a:rPr>
+              <a:t>Quản lý bài viết và bình luận: Tạo, sửa, xóa bài viết và bình luận của người dùng.</a:t>
+            </a:r>
+            <a:endParaRPr lang="en-US" sz="1200" dirty="0">
+              <a:solidFill>
+                <a:schemeClr val="bg2">
+                  <a:lumMod val="75000"/>
+                </a:schemeClr>
+              </a:solidFill>
+              <a:latin typeface="Agency FB" panose="020B0503020202020204" pitchFamily="34" charset="0"/>
+            </a:endParaRPr>
+          </a:p>
+          <a:p>
+            <a:pPr marL="171450" indent="-171450">
+              <a:buFont typeface="Courier New" panose="02070309020205020404" pitchFamily="49" charset="0"/>
+              <a:buChar char="o"/>
+            </a:pPr>
+            <a:r>
+              <a:rPr lang="vi-VN" sz="1200" dirty="0">
+                <a:solidFill>
+                  <a:schemeClr val="bg2">
+                    <a:lumMod val="75000"/>
+                  </a:schemeClr>
+                </a:solidFill>
+              </a:rPr>
+              <a:t>Xem và quản lý phiếu hỗ trợ: Xử lý các phiếu hỗ trợ do người dùng gửi.</a:t>
+            </a:r>
+            <a:endParaRPr lang="en-US" sz="1200" dirty="0">
+              <a:solidFill>
+                <a:schemeClr val="bg2">
+                  <a:lumMod val="75000"/>
+                </a:schemeClr>
+              </a:solidFill>
+              <a:latin typeface="Agency FB" panose="020B0503020202020204" pitchFamily="34" charset="0"/>
+            </a:endParaRPr>
+          </a:p>
+        </p:txBody>
+      </p:sp>
     </p:spTree>
     <p:extLst>
       <p:ext uri="{BB962C8B-B14F-4D97-AF65-F5344CB8AC3E}">
